--- a/database/slides/THERE_IS_A_GREEN_HILL_FAR_AWAY.pptx
+++ b/database/slides/THERE_IS_A_GREEN_HILL_FAR_AWAY.pptx
@@ -15996,7 +15996,13 @@
       </p:sp>
       <p:sp>
         <p:nvSpPr>
-          <p:cNvPr id="131" name="Google Shape;131;p25"/>
+          <p:cNvPr id="2" name="Google Shape;131;p25">
+            <a:extLst>
+              <a:ext uri="{FF2B5EF4-FFF2-40B4-BE49-F238E27FC236}">
+                <a16:creationId xmlns:a16="http://schemas.microsoft.com/office/drawing/2014/main" id="{3BE92295-C046-8CB2-034F-1457C3F8DAF2}"/>
+              </a:ext>
+            </a:extLst>
+          </p:cNvPr>
           <p:cNvSpPr txBox="1"/>
           <p:nvPr/>
         </p:nvSpPr>
@@ -16019,11 +16025,19 @@
           </a:bodyPr>
           <a:lstStyle/>
           <a:p>
-            <a:pPr>
+            <a:pPr marL="0" lvl="0" indent="0" algn="l" rtl="0">
+              <a:spcBef>
+                <a:spcPts val="0"/>
+              </a:spcBef>
+              <a:spcAft>
+                <a:spcPts val="0"/>
+              </a:spcAft>
               <a:buClr>
                 <a:schemeClr val="lt1"/>
               </a:buClr>
               <a:buSzPts val="3200"/>
+              <a:buFont typeface="Arial"/>
+              <a:buNone/>
             </a:pPr>
             <a:r>
               <a:rPr lang="en-GB" sz="3600" b="1" i="1" dirty="0">
@@ -16037,7 +16051,7 @@
               </a:rPr>
               <a:t>contd..</a:t>
             </a:r>
-            <a:endParaRPr lang="en-GB" sz="3600" dirty="0">
+            <a:endParaRPr sz="3600" dirty="0">
               <a:latin typeface="Calibri"/>
               <a:ea typeface="Calibri"/>
               <a:cs typeface="Calibri"/>
@@ -16329,7 +16343,13 @@
       </p:sp>
       <p:sp>
         <p:nvSpPr>
-          <p:cNvPr id="131" name="Google Shape;131;p25"/>
+          <p:cNvPr id="2" name="Google Shape;131;p25">
+            <a:extLst>
+              <a:ext uri="{FF2B5EF4-FFF2-40B4-BE49-F238E27FC236}">
+                <a16:creationId xmlns:a16="http://schemas.microsoft.com/office/drawing/2014/main" id="{03B86855-471C-09D7-9326-31EDEC92FF46}"/>
+              </a:ext>
+            </a:extLst>
+          </p:cNvPr>
           <p:cNvSpPr txBox="1"/>
           <p:nvPr/>
         </p:nvSpPr>
@@ -16352,11 +16372,19 @@
           </a:bodyPr>
           <a:lstStyle/>
           <a:p>
-            <a:pPr>
+            <a:pPr marL="0" lvl="0" indent="0" algn="l" rtl="0">
+              <a:spcBef>
+                <a:spcPts val="0"/>
+              </a:spcBef>
+              <a:spcAft>
+                <a:spcPts val="0"/>
+              </a:spcAft>
               <a:buClr>
                 <a:schemeClr val="lt1"/>
               </a:buClr>
               <a:buSzPts val="3200"/>
+              <a:buFont typeface="Arial"/>
+              <a:buNone/>
             </a:pPr>
             <a:r>
               <a:rPr lang="en-GB" sz="3600" b="1" i="1" dirty="0">
@@ -16370,7 +16398,7 @@
               </a:rPr>
               <a:t>contd..</a:t>
             </a:r>
-            <a:endParaRPr lang="en-GB" sz="3600" dirty="0">
+            <a:endParaRPr sz="3600" dirty="0">
               <a:latin typeface="Calibri"/>
               <a:ea typeface="Calibri"/>
               <a:cs typeface="Calibri"/>
@@ -16706,7 +16734,13 @@
       </p:sp>
       <p:sp>
         <p:nvSpPr>
-          <p:cNvPr id="131" name="Google Shape;131;p25"/>
+          <p:cNvPr id="2" name="Google Shape;131;p25">
+            <a:extLst>
+              <a:ext uri="{FF2B5EF4-FFF2-40B4-BE49-F238E27FC236}">
+                <a16:creationId xmlns:a16="http://schemas.microsoft.com/office/drawing/2014/main" id="{4AB02E31-9448-A6E3-AEFA-251311A6515C}"/>
+              </a:ext>
+            </a:extLst>
+          </p:cNvPr>
           <p:cNvSpPr txBox="1"/>
           <p:nvPr/>
         </p:nvSpPr>
@@ -16729,11 +16763,19 @@
           </a:bodyPr>
           <a:lstStyle/>
           <a:p>
-            <a:pPr>
+            <a:pPr marL="0" lvl="0" indent="0" algn="l" rtl="0">
+              <a:spcBef>
+                <a:spcPts val="0"/>
+              </a:spcBef>
+              <a:spcAft>
+                <a:spcPts val="0"/>
+              </a:spcAft>
               <a:buClr>
                 <a:schemeClr val="lt1"/>
               </a:buClr>
               <a:buSzPts val="3200"/>
+              <a:buFont typeface="Arial"/>
+              <a:buNone/>
             </a:pPr>
             <a:r>
               <a:rPr lang="en-GB" sz="3600" b="1" i="1" dirty="0">
@@ -16747,7 +16789,7 @@
               </a:rPr>
               <a:t>contd..</a:t>
             </a:r>
-            <a:endParaRPr lang="en-GB" sz="3600" dirty="0">
+            <a:endParaRPr sz="3600" dirty="0">
               <a:latin typeface="Calibri"/>
               <a:ea typeface="Calibri"/>
               <a:cs typeface="Calibri"/>
